--- a/iOS-利用OpenCV Template Matching识别视频中的特定物体/tp.pptx
+++ b/iOS-利用OpenCV Template Matching识别视频中的特定物体/tp.pptx
@@ -3216,7 +3216,7 @@
         </p:nvSpPr>
         <p:spPr>
           <a:xfrm>
-            <a:off x="3241040" y="2322095"/>
+            <a:off x="3322320" y="2322094"/>
             <a:ext cx="975360" cy="457200"/>
           </a:xfrm>
           <a:prstGeom prst="bracketPair">
@@ -3288,9 +3288,13 @@
               <a:rPr lang="en-US" altLang="zh-CN" dirty="0" err="1" smtClean="0"/>
               <a:t>TemplateMatch</a:t>
             </a:r>
+            <a:endParaRPr lang="en-US" altLang="zh-CN" dirty="0" smtClean="0"/>
+          </a:p>
+          <a:p>
+            <a:pPr algn="ctr"/>
             <a:r>
               <a:rPr lang="zh-CN" altLang="en-US" dirty="0" smtClean="0"/>
-              <a:t>类</a:t>
+              <a:t>辅助类</a:t>
             </a:r>
             <a:endParaRPr lang="en-US" altLang="zh-CN" dirty="0"/>
           </a:p>
@@ -3450,8 +3454,8 @@
         </p:nvCxnSpPr>
         <p:spPr>
           <a:xfrm rot="5400000">
-            <a:off x="4490387" y="1239854"/>
-            <a:ext cx="1036855" cy="1584827"/>
+            <a:off x="4531027" y="1280494"/>
+            <a:ext cx="1036854" cy="1503547"/>
           </a:xfrm>
           <a:prstGeom prst="curvedConnector2">
             <a:avLst/>
@@ -3486,8 +3490,8 @@
         </p:nvCxnSpPr>
         <p:spPr>
           <a:xfrm rot="10800000">
-            <a:off x="1778000" y="1513841"/>
-            <a:ext cx="1463040" cy="1036855"/>
+            <a:off x="1778000" y="1513840"/>
+            <a:ext cx="1544320" cy="1036854"/>
           </a:xfrm>
           <a:prstGeom prst="curvedConnector2">
             <a:avLst/>

--- a/iOS-利用OpenCV Template Matching识别视频中的特定物体/tp.pptx
+++ b/iOS-利用OpenCV Template Matching识别视频中的特定物体/tp.pptx
@@ -6,6 +6,7 @@
   </p:sldMasterIdLst>
   <p:sldIdLst>
     <p:sldId id="256" r:id="rId2"/>
+    <p:sldId id="257" r:id="rId3"/>
   </p:sldIdLst>
   <p:sldSz cx="12192000" cy="6858000"/>
   <p:notesSz cx="6858000" cy="9144000"/>
@@ -104,6 +105,11 @@
       </a:defRPr>
     </a:lvl9pPr>
   </p:defaultTextStyle>
+  <p:extLst>
+    <p:ext uri="{EFAFB233-063F-42B5-8137-9DF3F51BA10A}">
+      <p15:sldGuideLst xmlns:p15="http://schemas.microsoft.com/office/powerpoint/2012/main"/>
+    </p:ext>
+  </p:extLst>
 </p:presentation>
 </file>
 
@@ -238,7 +244,7 @@
           <a:p>
             <a:fld id="{BCAF6826-6438-F642-B51E-28427612B3AE}" type="datetimeFigureOut">
               <a:rPr kumimoji="1" lang="zh-CN" altLang="en-US" smtClean="0"/>
-              <a:t>2018/5/28</a:t>
+              <a:t>2018/5/29</a:t>
             </a:fld>
             <a:endParaRPr kumimoji="1" lang="zh-CN" altLang="en-US"/>
           </a:p>
@@ -408,7 +414,7 @@
           <a:p>
             <a:fld id="{BCAF6826-6438-F642-B51E-28427612B3AE}" type="datetimeFigureOut">
               <a:rPr kumimoji="1" lang="zh-CN" altLang="en-US" smtClean="0"/>
-              <a:t>2018/5/28</a:t>
+              <a:t>2018/5/29</a:t>
             </a:fld>
             <a:endParaRPr kumimoji="1" lang="zh-CN" altLang="en-US"/>
           </a:p>
@@ -588,7 +594,7 @@
           <a:p>
             <a:fld id="{BCAF6826-6438-F642-B51E-28427612B3AE}" type="datetimeFigureOut">
               <a:rPr kumimoji="1" lang="zh-CN" altLang="en-US" smtClean="0"/>
-              <a:t>2018/5/28</a:t>
+              <a:t>2018/5/29</a:t>
             </a:fld>
             <a:endParaRPr kumimoji="1" lang="zh-CN" altLang="en-US"/>
           </a:p>
@@ -758,7 +764,7 @@
           <a:p>
             <a:fld id="{BCAF6826-6438-F642-B51E-28427612B3AE}" type="datetimeFigureOut">
               <a:rPr kumimoji="1" lang="zh-CN" altLang="en-US" smtClean="0"/>
-              <a:t>2018/5/28</a:t>
+              <a:t>2018/5/29</a:t>
             </a:fld>
             <a:endParaRPr kumimoji="1" lang="zh-CN" altLang="en-US"/>
           </a:p>
@@ -1004,7 +1010,7 @@
           <a:p>
             <a:fld id="{BCAF6826-6438-F642-B51E-28427612B3AE}" type="datetimeFigureOut">
               <a:rPr kumimoji="1" lang="zh-CN" altLang="en-US" smtClean="0"/>
-              <a:t>2018/5/28</a:t>
+              <a:t>2018/5/29</a:t>
             </a:fld>
             <a:endParaRPr kumimoji="1" lang="zh-CN" altLang="en-US"/>
           </a:p>
@@ -1236,7 +1242,7 @@
           <a:p>
             <a:fld id="{BCAF6826-6438-F642-B51E-28427612B3AE}" type="datetimeFigureOut">
               <a:rPr kumimoji="1" lang="zh-CN" altLang="en-US" smtClean="0"/>
-              <a:t>2018/5/28</a:t>
+              <a:t>2018/5/29</a:t>
             </a:fld>
             <a:endParaRPr kumimoji="1" lang="zh-CN" altLang="en-US"/>
           </a:p>
@@ -1603,7 +1609,7 @@
           <a:p>
             <a:fld id="{BCAF6826-6438-F642-B51E-28427612B3AE}" type="datetimeFigureOut">
               <a:rPr kumimoji="1" lang="zh-CN" altLang="en-US" smtClean="0"/>
-              <a:t>2018/5/28</a:t>
+              <a:t>2018/5/29</a:t>
             </a:fld>
             <a:endParaRPr kumimoji="1" lang="zh-CN" altLang="en-US"/>
           </a:p>
@@ -1721,7 +1727,7 @@
           <a:p>
             <a:fld id="{BCAF6826-6438-F642-B51E-28427612B3AE}" type="datetimeFigureOut">
               <a:rPr kumimoji="1" lang="zh-CN" altLang="en-US" smtClean="0"/>
-              <a:t>2018/5/28</a:t>
+              <a:t>2018/5/29</a:t>
             </a:fld>
             <a:endParaRPr kumimoji="1" lang="zh-CN" altLang="en-US"/>
           </a:p>
@@ -1816,7 +1822,7 @@
           <a:p>
             <a:fld id="{BCAF6826-6438-F642-B51E-28427612B3AE}" type="datetimeFigureOut">
               <a:rPr kumimoji="1" lang="zh-CN" altLang="en-US" smtClean="0"/>
-              <a:t>2018/5/28</a:t>
+              <a:t>2018/5/29</a:t>
             </a:fld>
             <a:endParaRPr kumimoji="1" lang="zh-CN" altLang="en-US"/>
           </a:p>
@@ -2093,7 +2099,7 @@
           <a:p>
             <a:fld id="{BCAF6826-6438-F642-B51E-28427612B3AE}" type="datetimeFigureOut">
               <a:rPr kumimoji="1" lang="zh-CN" altLang="en-US" smtClean="0"/>
-              <a:t>2018/5/28</a:t>
+              <a:t>2018/5/29</a:t>
             </a:fld>
             <a:endParaRPr kumimoji="1" lang="zh-CN" altLang="en-US"/>
           </a:p>
@@ -2346,7 +2352,7 @@
           <a:p>
             <a:fld id="{BCAF6826-6438-F642-B51E-28427612B3AE}" type="datetimeFigureOut">
               <a:rPr kumimoji="1" lang="zh-CN" altLang="en-US" smtClean="0"/>
-              <a:t>2018/5/28</a:t>
+              <a:t>2018/5/29</a:t>
             </a:fld>
             <a:endParaRPr kumimoji="1" lang="zh-CN" altLang="en-US"/>
           </a:p>
@@ -2559,7 +2565,7 @@
           <a:p>
             <a:fld id="{BCAF6826-6438-F642-B51E-28427612B3AE}" type="datetimeFigureOut">
               <a:rPr kumimoji="1" lang="zh-CN" altLang="en-US" smtClean="0"/>
-              <a:t>2018/5/28</a:t>
+              <a:t>2018/5/29</a:t>
             </a:fld>
             <a:endParaRPr kumimoji="1" lang="zh-CN" altLang="en-US"/>
           </a:p>
@@ -3572,6 +3578,414 @@
 </p:sld>
 </file>
 
+<file path=ppt/slides/slide2.xml><?xml version="1.0" encoding="utf-8"?>
+<p:sld xmlns:a="http://schemas.openxmlformats.org/drawingml/2006/main" xmlns:r="http://schemas.openxmlformats.org/officeDocument/2006/relationships" xmlns:p="http://schemas.openxmlformats.org/presentationml/2006/main">
+  <p:cSld>
+    <p:spTree>
+      <p:nvGrpSpPr>
+        <p:cNvPr id="1" name=""/>
+        <p:cNvGrpSpPr/>
+        <p:nvPr/>
+      </p:nvGrpSpPr>
+      <p:grpSpPr>
+        <a:xfrm>
+          <a:off x="0" y="0"/>
+          <a:ext cx="0" cy="0"/>
+          <a:chOff x="0" y="0"/>
+          <a:chExt cx="0" cy="0"/>
+        </a:xfrm>
+      </p:grpSpPr>
+      <p:sp>
+        <p:nvSpPr>
+          <p:cNvPr id="14" name="矩形 13"/>
+          <p:cNvSpPr/>
+          <p:nvPr/>
+        </p:nvSpPr>
+        <p:spPr>
+          <a:xfrm>
+            <a:off x="4544395" y="2193589"/>
+            <a:ext cx="2717800" cy="1697990"/>
+          </a:xfrm>
+          <a:prstGeom prst="rect">
+            <a:avLst/>
+          </a:prstGeom>
+        </p:spPr>
+        <p:style>
+          <a:lnRef idx="2">
+            <a:schemeClr val="accent5"/>
+          </a:lnRef>
+          <a:fillRef idx="1">
+            <a:schemeClr val="lt1"/>
+          </a:fillRef>
+          <a:effectRef idx="0">
+            <a:schemeClr val="accent5"/>
+          </a:effectRef>
+          <a:fontRef idx="minor">
+            <a:schemeClr val="dk1"/>
+          </a:fontRef>
+        </p:style>
+        <p:txBody>
+          <a:bodyPr rtlCol="0" anchor="ctr"/>
+          <a:lstStyle/>
+          <a:p>
+            <a:pPr algn="ctr"/>
+            <a:endParaRPr kumimoji="1" lang="zh-CN" altLang="en-US"/>
+          </a:p>
+        </p:txBody>
+      </p:sp>
+      <p:pic>
+        <p:nvPicPr>
+          <p:cNvPr id="10" name="图片 9"/>
+          <p:cNvPicPr>
+            <a:picLocks noChangeAspect="1"/>
+          </p:cNvPicPr>
+          <p:nvPr/>
+        </p:nvPicPr>
+        <p:blipFill>
+          <a:blip r:embed="rId2">
+            <a:extLst>
+              <a:ext uri="{28A0092B-C50C-407E-A947-70E740481C1C}">
+                <a14:useLocalDpi xmlns:a14="http://schemas.microsoft.com/office/drawing/2010/main" val="0"/>
+              </a:ext>
+            </a:extLst>
+          </a:blip>
+          <a:stretch>
+            <a:fillRect/>
+          </a:stretch>
+        </p:blipFill>
+        <p:spPr>
+          <a:xfrm rot="16200000">
+            <a:off x="5581985" y="2684145"/>
+            <a:ext cx="642620" cy="716878"/>
+          </a:xfrm>
+          <a:prstGeom prst="rect">
+            <a:avLst/>
+          </a:prstGeom>
+        </p:spPr>
+      </p:pic>
+      <p:sp>
+        <p:nvSpPr>
+          <p:cNvPr id="12" name="文本框 11"/>
+          <p:cNvSpPr txBox="1"/>
+          <p:nvPr/>
+        </p:nvSpPr>
+        <p:spPr>
+          <a:xfrm>
+            <a:off x="1010426" y="1794515"/>
+            <a:ext cx="1596912" cy="307777"/>
+          </a:xfrm>
+          <a:prstGeom prst="rect">
+            <a:avLst/>
+          </a:prstGeom>
+          <a:noFill/>
+        </p:spPr>
+        <p:txBody>
+          <a:bodyPr wrap="none" rtlCol="0">
+            <a:spAutoFit/>
+          </a:bodyPr>
+          <a:lstStyle/>
+          <a:p>
+            <a:r>
+              <a:rPr kumimoji="1" lang="zh-CN" altLang="en-US" sz="1400" dirty="0" smtClean="0"/>
+              <a:t>看起来</a:t>
+            </a:r>
+            <a:r>
+              <a:rPr kumimoji="1" lang="en-US" altLang="zh-CN" sz="1400" dirty="0" smtClean="0">
+                <a:solidFill>
+                  <a:srgbClr val="FF0000"/>
+                </a:solidFill>
+              </a:rPr>
+              <a:t>{0,0}</a:t>
+            </a:r>
+            <a:r>
+              <a:rPr kumimoji="1" lang="zh-CN" altLang="en-US" sz="1400" dirty="0" smtClean="0"/>
+              <a:t>在这里</a:t>
+            </a:r>
+            <a:endParaRPr kumimoji="1" lang="zh-CN" altLang="en-US" sz="1400" dirty="0"/>
+          </a:p>
+        </p:txBody>
+      </p:sp>
+      <p:sp>
+        <p:nvSpPr>
+          <p:cNvPr id="13" name="矩形 12"/>
+          <p:cNvSpPr/>
+          <p:nvPr/>
+        </p:nvSpPr>
+        <p:spPr>
+          <a:xfrm rot="5400000">
+            <a:off x="1388745" y="2684145"/>
+            <a:ext cx="2717800" cy="1697990"/>
+          </a:xfrm>
+          <a:prstGeom prst="rect">
+            <a:avLst/>
+          </a:prstGeom>
+        </p:spPr>
+        <p:style>
+          <a:lnRef idx="2">
+            <a:schemeClr val="accent5"/>
+          </a:lnRef>
+          <a:fillRef idx="1">
+            <a:schemeClr val="lt1"/>
+          </a:fillRef>
+          <a:effectRef idx="0">
+            <a:schemeClr val="accent5"/>
+          </a:effectRef>
+          <a:fontRef idx="minor">
+            <a:schemeClr val="dk1"/>
+          </a:fontRef>
+        </p:style>
+        <p:txBody>
+          <a:bodyPr rtlCol="0" anchor="ctr"/>
+          <a:lstStyle/>
+          <a:p>
+            <a:pPr algn="ctr"/>
+            <a:endParaRPr kumimoji="1" lang="zh-CN" altLang="en-US"/>
+          </a:p>
+        </p:txBody>
+      </p:sp>
+      <p:pic>
+        <p:nvPicPr>
+          <p:cNvPr id="4" name="图片 3"/>
+          <p:cNvPicPr>
+            <a:picLocks noChangeAspect="1"/>
+          </p:cNvPicPr>
+          <p:nvPr/>
+        </p:nvPicPr>
+        <p:blipFill>
+          <a:blip r:embed="rId2">
+            <a:extLst>
+              <a:ext uri="{28A0092B-C50C-407E-A947-70E740481C1C}">
+                <a14:useLocalDpi xmlns:a14="http://schemas.microsoft.com/office/drawing/2010/main" val="0"/>
+              </a:ext>
+            </a:extLst>
+          </a:blip>
+          <a:stretch>
+            <a:fillRect/>
+          </a:stretch>
+        </p:blipFill>
+        <p:spPr>
+          <a:xfrm>
+            <a:off x="2426335" y="3174701"/>
+            <a:ext cx="642620" cy="716878"/>
+          </a:xfrm>
+          <a:prstGeom prst="rect">
+            <a:avLst/>
+          </a:prstGeom>
+        </p:spPr>
+      </p:pic>
+      <p:sp>
+        <p:nvSpPr>
+          <p:cNvPr id="15" name="文本框 14"/>
+          <p:cNvSpPr txBox="1"/>
+          <p:nvPr/>
+        </p:nvSpPr>
+        <p:spPr>
+          <a:xfrm>
+            <a:off x="4432403" y="1782651"/>
+            <a:ext cx="1643399" cy="307777"/>
+          </a:xfrm>
+          <a:prstGeom prst="rect">
+            <a:avLst/>
+          </a:prstGeom>
+          <a:noFill/>
+        </p:spPr>
+        <p:txBody>
+          <a:bodyPr wrap="none" rtlCol="0">
+            <a:spAutoFit/>
+          </a:bodyPr>
+          <a:lstStyle/>
+          <a:p>
+            <a:r>
+              <a:rPr kumimoji="1" lang="zh-CN" altLang="en-US" sz="1400" dirty="0" smtClean="0"/>
+              <a:t>但其实</a:t>
+            </a:r>
+            <a:r>
+              <a:rPr kumimoji="1" lang="en-US" altLang="zh-CN" sz="1400" dirty="0" smtClean="0">
+                <a:solidFill>
+                  <a:srgbClr val="FF0000"/>
+                </a:solidFill>
+              </a:rPr>
+              <a:t>{0,0}</a:t>
+            </a:r>
+            <a:r>
+              <a:rPr kumimoji="1" lang="zh-CN" altLang="en-US" sz="1400" dirty="0" smtClean="0"/>
+              <a:t>在这里</a:t>
+            </a:r>
+            <a:endParaRPr kumimoji="1" lang="zh-CN" altLang="en-US" sz="1400" dirty="0"/>
+          </a:p>
+        </p:txBody>
+      </p:sp>
+      <p:sp>
+        <p:nvSpPr>
+          <p:cNvPr id="21" name="椭圆 20"/>
+          <p:cNvSpPr/>
+          <p:nvPr/>
+        </p:nvSpPr>
+        <p:spPr>
+          <a:xfrm>
+            <a:off x="1808017" y="2066589"/>
+            <a:ext cx="223983" cy="221656"/>
+          </a:xfrm>
+          <a:prstGeom prst="ellipse">
+            <a:avLst/>
+          </a:prstGeom>
+          <a:noFill/>
+          <a:ln w="31750">
+            <a:solidFill>
+              <a:srgbClr val="FF0000"/>
+            </a:solidFill>
+          </a:ln>
+        </p:spPr>
+        <p:style>
+          <a:lnRef idx="2">
+            <a:schemeClr val="accent2"/>
+          </a:lnRef>
+          <a:fillRef idx="1">
+            <a:schemeClr val="lt1"/>
+          </a:fillRef>
+          <a:effectRef idx="0">
+            <a:schemeClr val="accent2"/>
+          </a:effectRef>
+          <a:fontRef idx="minor">
+            <a:schemeClr val="dk1"/>
+          </a:fontRef>
+        </p:style>
+        <p:txBody>
+          <a:bodyPr rtlCol="0" anchor="ctr"/>
+          <a:lstStyle/>
+          <a:p>
+            <a:pPr algn="ctr"/>
+            <a:endParaRPr kumimoji="1" lang="zh-CN" altLang="en-US"/>
+          </a:p>
+        </p:txBody>
+      </p:sp>
+      <p:sp>
+        <p:nvSpPr>
+          <p:cNvPr id="22" name="椭圆 21"/>
+          <p:cNvSpPr/>
+          <p:nvPr/>
+        </p:nvSpPr>
+        <p:spPr>
+          <a:xfrm>
+            <a:off x="4432403" y="2110206"/>
+            <a:ext cx="223983" cy="221656"/>
+          </a:xfrm>
+          <a:prstGeom prst="ellipse">
+            <a:avLst/>
+          </a:prstGeom>
+          <a:noFill/>
+          <a:ln w="31750">
+            <a:solidFill>
+              <a:srgbClr val="FF0000"/>
+            </a:solidFill>
+          </a:ln>
+        </p:spPr>
+        <p:style>
+          <a:lnRef idx="2">
+            <a:schemeClr val="accent2"/>
+          </a:lnRef>
+          <a:fillRef idx="1">
+            <a:schemeClr val="lt1"/>
+          </a:fillRef>
+          <a:effectRef idx="0">
+            <a:schemeClr val="accent2"/>
+          </a:effectRef>
+          <a:fontRef idx="minor">
+            <a:schemeClr val="dk1"/>
+          </a:fontRef>
+        </p:style>
+        <p:txBody>
+          <a:bodyPr rtlCol="0" anchor="ctr"/>
+          <a:lstStyle/>
+          <a:p>
+            <a:pPr algn="ctr"/>
+            <a:endParaRPr kumimoji="1" lang="zh-CN" altLang="en-US"/>
+          </a:p>
+        </p:txBody>
+      </p:sp>
+      <p:cxnSp>
+        <p:nvCxnSpPr>
+          <p:cNvPr id="25" name="直线连接符 24"/>
+          <p:cNvCxnSpPr/>
+          <p:nvPr/>
+        </p:nvCxnSpPr>
+        <p:spPr>
+          <a:xfrm flipV="1">
+            <a:off x="4432403" y="3759200"/>
+            <a:ext cx="223983" cy="228600"/>
+          </a:xfrm>
+          <a:prstGeom prst="line">
+            <a:avLst/>
+          </a:prstGeom>
+          <a:ln w="31750">
+            <a:solidFill>
+              <a:srgbClr val="FF0000"/>
+            </a:solidFill>
+          </a:ln>
+        </p:spPr>
+        <p:style>
+          <a:lnRef idx="1">
+            <a:schemeClr val="accent1"/>
+          </a:lnRef>
+          <a:fillRef idx="0">
+            <a:schemeClr val="accent1"/>
+          </a:fillRef>
+          <a:effectRef idx="0">
+            <a:schemeClr val="accent1"/>
+          </a:effectRef>
+          <a:fontRef idx="minor">
+            <a:schemeClr val="tx1"/>
+          </a:fontRef>
+        </p:style>
+      </p:cxnSp>
+      <p:cxnSp>
+        <p:nvCxnSpPr>
+          <p:cNvPr id="26" name="直线连接符 25"/>
+          <p:cNvCxnSpPr/>
+          <p:nvPr/>
+        </p:nvCxnSpPr>
+        <p:spPr>
+          <a:xfrm flipH="1" flipV="1">
+            <a:off x="4432403" y="3759200"/>
+            <a:ext cx="223983" cy="235542"/>
+          </a:xfrm>
+          <a:prstGeom prst="line">
+            <a:avLst/>
+          </a:prstGeom>
+          <a:ln w="31750">
+            <a:solidFill>
+              <a:srgbClr val="FF0000"/>
+            </a:solidFill>
+          </a:ln>
+        </p:spPr>
+        <p:style>
+          <a:lnRef idx="1">
+            <a:schemeClr val="accent1"/>
+          </a:lnRef>
+          <a:fillRef idx="0">
+            <a:schemeClr val="accent1"/>
+          </a:fillRef>
+          <a:effectRef idx="0">
+            <a:schemeClr val="accent1"/>
+          </a:effectRef>
+          <a:fontRef idx="minor">
+            <a:schemeClr val="tx1"/>
+          </a:fontRef>
+        </p:style>
+      </p:cxnSp>
+    </p:spTree>
+    <p:extLst>
+      <p:ext uri="{BB962C8B-B14F-4D97-AF65-F5344CB8AC3E}">
+        <p14:creationId xmlns:p14="http://schemas.microsoft.com/office/powerpoint/2010/main" val="1051030987"/>
+      </p:ext>
+    </p:extLst>
+  </p:cSld>
+  <p:clrMapOvr>
+    <a:masterClrMapping/>
+  </p:clrMapOvr>
+</p:sld>
+</file>
+
 <file path=ppt/theme/theme1.xml><?xml version="1.0" encoding="utf-8"?>
 <a:theme xmlns:a="http://schemas.openxmlformats.org/drawingml/2006/main" name="Office 主题">
   <a:themeElements>
